--- a/presentation/kubernetes.pptx
+++ b/presentation/kubernetes.pptx
@@ -5,7 +5,7 @@
     <p:sldMasterId id="2147483662" r:id="rId1"/>
   </p:sldMasterIdLst>
   <p:notesMasterIdLst>
-    <p:notesMasterId r:id="rId24"/>
+    <p:notesMasterId r:id="rId25"/>
   </p:notesMasterIdLst>
   <p:sldIdLst>
     <p:sldId id="256" r:id="rId2"/>
@@ -28,8 +28,9 @@
     <p:sldId id="270" r:id="rId19"/>
     <p:sldId id="273" r:id="rId20"/>
     <p:sldId id="274" r:id="rId21"/>
-    <p:sldId id="271" r:id="rId22"/>
-    <p:sldId id="275" r:id="rId23"/>
+    <p:sldId id="279" r:id="rId22"/>
+    <p:sldId id="271" r:id="rId23"/>
+    <p:sldId id="275" r:id="rId24"/>
   </p:sldIdLst>
   <p:sldSz cx="12192000" cy="6858000"/>
   <p:notesSz cx="6858000" cy="9144000"/>
@@ -132,6 +133,9 @@
     <p:ext uri="{EFAFB233-063F-42B5-8137-9DF3F51BA10A}">
       <p15:sldGuideLst xmlns:p15="http://schemas.microsoft.com/office/powerpoint/2012/main"/>
     </p:ext>
+    <p:ext uri="{2D200454-40CA-4A62-9FC3-DE9A4176ACB9}">
+      <p15:notesGuideLst xmlns:p15="http://schemas.microsoft.com/office/powerpoint/2012/main"/>
+    </p:ext>
   </p:extLst>
 </p:presentation>
 </file>
@@ -218,7 +222,7 @@
           <a:p>
             <a:fld id="{EE60DE1F-64A5-4643-9AD9-311A2B3DAEF2}" type="datetimeFigureOut">
               <a:rPr lang="en-US" smtClean="0"/>
-              <a:t>4/5/18</a:t>
+              <a:t>4/10/18</a:t>
             </a:fld>
             <a:endParaRPr lang="en-US"/>
           </a:p>
@@ -715,7 +719,7 @@
           <a:p>
             <a:fld id="{7B81A40A-81BF-4248-A32F-77AAEDEFB22B}" type="datetime1">
               <a:rPr lang="en-US" smtClean="0"/>
-              <a:t>4/5/18</a:t>
+              <a:t>4/10/18</a:t>
             </a:fld>
             <a:endParaRPr lang="en-US"/>
           </a:p>
@@ -1016,7 +1020,7 @@
           <a:p>
             <a:fld id="{2B29063C-91A5-4593-ABB1-5AF093B34D9D}" type="datetime1">
               <a:rPr lang="en-US" smtClean="0"/>
-              <a:t>4/5/18</a:t>
+              <a:t>4/10/18</a:t>
             </a:fld>
             <a:endParaRPr lang="en-US"/>
           </a:p>
@@ -1230,7 +1234,7 @@
           <a:p>
             <a:fld id="{316A46C9-6EEF-492D-AC76-12DB6DABCA5A}" type="datetimeFigureOut">
               <a:rPr lang="en-US" smtClean="0"/>
-              <a:t>4/5/18</a:t>
+              <a:t>4/10/18</a:t>
             </a:fld>
             <a:endParaRPr lang="en-US"/>
           </a:p>
@@ -1477,7 +1481,7 @@
           <a:p>
             <a:fld id="{F23001FA-6ECF-4C7B-9C2C-EBCB61AE800C}" type="datetime1">
               <a:rPr lang="en-US" smtClean="0"/>
-              <a:t>4/5/18</a:t>
+              <a:t>4/10/18</a:t>
             </a:fld>
             <a:endParaRPr lang="en-US"/>
           </a:p>
@@ -4407,6 +4411,244 @@
       </p:grpSpPr>
       <p:sp>
         <p:nvSpPr>
+          <p:cNvPr id="2" name="Title 1">
+            <a:extLst>
+              <a:ext uri="{FF2B5EF4-FFF2-40B4-BE49-F238E27FC236}">
+                <a16:creationId xmlns:a16="http://schemas.microsoft.com/office/drawing/2014/main" id="{44A497A8-41CC-BB4B-B0D4-8F60ABB520E3}"/>
+              </a:ext>
+            </a:extLst>
+          </p:cNvPr>
+          <p:cNvSpPr>
+            <a:spLocks noGrp="1"/>
+          </p:cNvSpPr>
+          <p:nvPr>
+            <p:ph type="title"/>
+          </p:nvPr>
+        </p:nvSpPr>
+        <p:spPr/>
+        <p:txBody>
+          <a:bodyPr/>
+          <a:lstStyle/>
+          <a:p>
+            <a:r>
+              <a:rPr lang="en-US" dirty="0"/>
+              <a:t>Advanced Kubernetes Management</a:t>
+            </a:r>
+          </a:p>
+        </p:txBody>
+      </p:sp>
+      <p:sp>
+        <p:nvSpPr>
+          <p:cNvPr id="3" name="Content Placeholder 2">
+            <a:extLst>
+              <a:ext uri="{FF2B5EF4-FFF2-40B4-BE49-F238E27FC236}">
+                <a16:creationId xmlns:a16="http://schemas.microsoft.com/office/drawing/2014/main" id="{A7D3DE13-18D6-674E-94B5-68D4F10AB1A0}"/>
+              </a:ext>
+            </a:extLst>
+          </p:cNvPr>
+          <p:cNvSpPr>
+            <a:spLocks noGrp="1"/>
+          </p:cNvSpPr>
+          <p:nvPr>
+            <p:ph sz="half" idx="1"/>
+          </p:nvPr>
+        </p:nvSpPr>
+        <p:spPr>
+          <a:xfrm>
+            <a:off x="1218671" y="1534421"/>
+            <a:ext cx="10363199" cy="4351338"/>
+          </a:xfrm>
+        </p:spPr>
+        <p:txBody>
+          <a:bodyPr/>
+          <a:lstStyle/>
+          <a:p>
+            <a:r>
+              <a:rPr lang="en-US" dirty="0"/>
+              <a:t>Resource management of CPU, Memory, disk</a:t>
+            </a:r>
+          </a:p>
+          <a:p>
+            <a:r>
+              <a:rPr lang="en-US" dirty="0"/>
+              <a:t>Horizontal scaling of both pods and nodes, vertical scaling of pods in Alpha</a:t>
+            </a:r>
+          </a:p>
+          <a:p>
+            <a:r>
+              <a:rPr lang="en-US" dirty="0"/>
+              <a:t>Namespaces with RBAC for multi-tenant environments</a:t>
+            </a:r>
+          </a:p>
+          <a:p>
+            <a:r>
+              <a:rPr lang="en-US" dirty="0"/>
+              <a:t>Admission controllers to limit:</a:t>
+            </a:r>
+          </a:p>
+          <a:p>
+            <a:pPr lvl="1"/>
+            <a:r>
+              <a:rPr lang="en-US" dirty="0"/>
+              <a:t>Resource usage</a:t>
+            </a:r>
+          </a:p>
+          <a:p>
+            <a:pPr lvl="1"/>
+            <a:r>
+              <a:rPr lang="en-US" dirty="0"/>
+              <a:t>Pod security policies</a:t>
+            </a:r>
+          </a:p>
+          <a:p>
+            <a:pPr lvl="1"/>
+            <a:r>
+              <a:rPr lang="en-US" dirty="0" err="1"/>
+              <a:t>Devops</a:t>
+            </a:r>
+            <a:r>
+              <a:rPr lang="en-US" dirty="0"/>
+              <a:t> integration controllers</a:t>
+            </a:r>
+          </a:p>
+          <a:p>
+            <a:r>
+              <a:rPr lang="en-US" dirty="0"/>
+              <a:t>Multi-zone and multi-region management in </a:t>
+            </a:r>
+            <a:r>
+              <a:rPr lang="en-US"/>
+              <a:t>cloud providers</a:t>
+            </a:r>
+            <a:endParaRPr lang="en-US" dirty="0"/>
+          </a:p>
+        </p:txBody>
+      </p:sp>
+      <p:sp>
+        <p:nvSpPr>
+          <p:cNvPr id="5" name="Date Placeholder 4">
+            <a:extLst>
+              <a:ext uri="{FF2B5EF4-FFF2-40B4-BE49-F238E27FC236}">
+                <a16:creationId xmlns:a16="http://schemas.microsoft.com/office/drawing/2014/main" id="{A23BF74F-F210-6E4C-9134-D079208013A7}"/>
+              </a:ext>
+            </a:extLst>
+          </p:cNvPr>
+          <p:cNvSpPr>
+            <a:spLocks noGrp="1"/>
+          </p:cNvSpPr>
+          <p:nvPr>
+            <p:ph type="dt" sz="half" idx="10"/>
+          </p:nvPr>
+        </p:nvSpPr>
+        <p:spPr/>
+        <p:txBody>
+          <a:bodyPr/>
+          <a:lstStyle/>
+          <a:p>
+            <a:fld id="{2B29063C-91A5-4593-ABB1-5AF093B34D9D}" type="datetime1">
+              <a:rPr lang="en-US" smtClean="0"/>
+              <a:t>4/10/18</a:t>
+            </a:fld>
+            <a:endParaRPr lang="en-US"/>
+          </a:p>
+        </p:txBody>
+      </p:sp>
+      <p:sp>
+        <p:nvSpPr>
+          <p:cNvPr id="6" name="Footer Placeholder 5">
+            <a:extLst>
+              <a:ext uri="{FF2B5EF4-FFF2-40B4-BE49-F238E27FC236}">
+                <a16:creationId xmlns:a16="http://schemas.microsoft.com/office/drawing/2014/main" id="{E790D96B-2A01-1B41-849D-9C08A8ADE18B}"/>
+              </a:ext>
+            </a:extLst>
+          </p:cNvPr>
+          <p:cNvSpPr>
+            <a:spLocks noGrp="1"/>
+          </p:cNvSpPr>
+          <p:nvPr>
+            <p:ph type="ftr" sz="quarter" idx="11"/>
+          </p:nvPr>
+        </p:nvSpPr>
+        <p:spPr/>
+        <p:txBody>
+          <a:bodyPr/>
+          <a:lstStyle/>
+          <a:p>
+            <a:r>
+              <a:rPr lang="en-US"/>
+              <a:t>Sealing Technologies, Inc.	www.sealingtech.org</a:t>
+            </a:r>
+          </a:p>
+          <a:p>
+            <a:r>
+              <a:rPr lang="en-US"/>
+              <a:t>7226 Lee Deforest Dr. Suite 204 Columbia, MD 21046</a:t>
+            </a:r>
+            <a:endParaRPr lang="en-US" dirty="0"/>
+          </a:p>
+        </p:txBody>
+      </p:sp>
+      <p:sp>
+        <p:nvSpPr>
+          <p:cNvPr id="7" name="Slide Number Placeholder 6">
+            <a:extLst>
+              <a:ext uri="{FF2B5EF4-FFF2-40B4-BE49-F238E27FC236}">
+                <a16:creationId xmlns:a16="http://schemas.microsoft.com/office/drawing/2014/main" id="{2F8D4DB2-88FA-E948-9F06-F0F3E2D4903A}"/>
+              </a:ext>
+            </a:extLst>
+          </p:cNvPr>
+          <p:cNvSpPr>
+            <a:spLocks noGrp="1"/>
+          </p:cNvSpPr>
+          <p:nvPr>
+            <p:ph type="sldNum" sz="quarter" idx="12"/>
+          </p:nvPr>
+        </p:nvSpPr>
+        <p:spPr/>
+        <p:txBody>
+          <a:bodyPr/>
+          <a:lstStyle/>
+          <a:p>
+            <a:fld id="{89BEB1D7-6D42-4923-AA48-F5C97588263B}" type="slidenum">
+              <a:rPr lang="en-US" smtClean="0"/>
+              <a:t>21</a:t>
+            </a:fld>
+            <a:endParaRPr lang="en-US"/>
+          </a:p>
+        </p:txBody>
+      </p:sp>
+    </p:spTree>
+    <p:extLst>
+      <p:ext uri="{BB962C8B-B14F-4D97-AF65-F5344CB8AC3E}">
+        <p14:creationId xmlns:p14="http://schemas.microsoft.com/office/powerpoint/2010/main" val="514156567"/>
+      </p:ext>
+    </p:extLst>
+  </p:cSld>
+  <p:clrMapOvr>
+    <a:masterClrMapping/>
+  </p:clrMapOvr>
+</p:sld>
+</file>
+
+<file path=ppt/slides/slide22.xml><?xml version="1.0" encoding="utf-8"?>
+<p:sld xmlns:a="http://schemas.openxmlformats.org/drawingml/2006/main" xmlns:r="http://schemas.openxmlformats.org/officeDocument/2006/relationships" xmlns:p="http://schemas.openxmlformats.org/presentationml/2006/main">
+  <p:cSld>
+    <p:spTree>
+      <p:nvGrpSpPr>
+        <p:cNvPr id="1" name=""/>
+        <p:cNvGrpSpPr/>
+        <p:nvPr/>
+      </p:nvGrpSpPr>
+      <p:grpSpPr>
+        <a:xfrm>
+          <a:off x="0" y="0"/>
+          <a:ext cx="0" cy="0"/>
+          <a:chOff x="0" y="0"/>
+          <a:chExt cx="0" cy="0"/>
+        </a:xfrm>
+      </p:grpSpPr>
+      <p:sp>
+        <p:nvSpPr>
           <p:cNvPr id="2" name="Title 1"/>
           <p:cNvSpPr>
             <a:spLocks noGrp="1"/>
@@ -4516,7 +4758,7 @@
 </p:sld>
 </file>
 
-<file path=ppt/slides/slide22.xml><?xml version="1.0" encoding="utf-8"?>
+<file path=ppt/slides/slide23.xml><?xml version="1.0" encoding="utf-8"?>
 <p:sld xmlns:a="http://schemas.openxmlformats.org/drawingml/2006/main" xmlns:r="http://schemas.openxmlformats.org/officeDocument/2006/relationships" xmlns:p="http://schemas.openxmlformats.org/presentationml/2006/main">
   <p:cSld>
     <p:spTree>
@@ -7021,7 +7263,7 @@
           <a:p>
             <a:fld id="{2B29063C-91A5-4593-ABB1-5AF093B34D9D}" type="datetime1">
               <a:rPr lang="en-US" smtClean="0"/>
-              <a:t>4/5/18</a:t>
+              <a:t>4/10/18</a:t>
             </a:fld>
             <a:endParaRPr lang="en-US"/>
           </a:p>
@@ -7205,7 +7447,7 @@
           <a:p>
             <a:fld id="{2B29063C-91A5-4593-ABB1-5AF093B34D9D}" type="datetime1">
               <a:rPr lang="en-US" smtClean="0"/>
-              <a:t>4/5/18</a:t>
+              <a:t>4/10/18</a:t>
             </a:fld>
             <a:endParaRPr lang="en-US"/>
           </a:p>
@@ -7419,7 +7661,7 @@
           <a:p>
             <a:fld id="{2B29063C-91A5-4593-ABB1-5AF093B34D9D}" type="datetime1">
               <a:rPr lang="en-US" smtClean="0"/>
-              <a:t>4/5/18</a:t>
+              <a:t>4/10/18</a:t>
             </a:fld>
             <a:endParaRPr lang="en-US"/>
           </a:p>

--- a/presentation/kubernetes.pptx
+++ b/presentation/kubernetes.pptx
@@ -222,7 +222,7 @@
           <a:p>
             <a:fld id="{EE60DE1F-64A5-4643-9AD9-311A2B3DAEF2}" type="datetimeFigureOut">
               <a:rPr lang="en-US" smtClean="0"/>
-              <a:t>4/10/18</a:t>
+              <a:t>4/13/18</a:t>
             </a:fld>
             <a:endParaRPr lang="en-US"/>
           </a:p>
@@ -719,7 +719,7 @@
           <a:p>
             <a:fld id="{7B81A40A-81BF-4248-A32F-77AAEDEFB22B}" type="datetime1">
               <a:rPr lang="en-US" smtClean="0"/>
-              <a:t>4/10/18</a:t>
+              <a:t>4/13/18</a:t>
             </a:fld>
             <a:endParaRPr lang="en-US"/>
           </a:p>
@@ -1020,7 +1020,7 @@
           <a:p>
             <a:fld id="{2B29063C-91A5-4593-ABB1-5AF093B34D9D}" type="datetime1">
               <a:rPr lang="en-US" smtClean="0"/>
-              <a:t>4/10/18</a:t>
+              <a:t>4/13/18</a:t>
             </a:fld>
             <a:endParaRPr lang="en-US"/>
           </a:p>
@@ -1234,7 +1234,7 @@
           <a:p>
             <a:fld id="{316A46C9-6EEF-492D-AC76-12DB6DABCA5A}" type="datetimeFigureOut">
               <a:rPr lang="en-US" smtClean="0"/>
-              <a:t>4/10/18</a:t>
+              <a:t>4/13/18</a:t>
             </a:fld>
             <a:endParaRPr lang="en-US"/>
           </a:p>
@@ -1481,7 +1481,7 @@
           <a:p>
             <a:fld id="{F23001FA-6ECF-4C7B-9C2C-EBCB61AE800C}" type="datetime1">
               <a:rPr lang="en-US" smtClean="0"/>
-              <a:t>4/10/18</a:t>
+              <a:t>4/13/18</a:t>
             </a:fld>
             <a:endParaRPr lang="en-US"/>
           </a:p>
@@ -4320,7 +4320,7 @@
             </a:r>
             <a:r>
               <a:rPr lang="en-US" dirty="0"/>
-              <a:t> – Provides coordination of settings across the entire cluster through key-value pairs</a:t>
+              <a:t>* – Provides coordination of settings across the entire cluster through key-value pairs</a:t>
             </a:r>
           </a:p>
           <a:p>
@@ -4375,6 +4375,57 @@
             <a:r>
               <a:rPr lang="en-US" dirty="0"/>
               <a:t>Web-UI (optional) – provides a GUI for command line adverse people</a:t>
+            </a:r>
+          </a:p>
+        </p:txBody>
+      </p:sp>
+      <p:sp>
+        <p:nvSpPr>
+          <p:cNvPr id="4" name="TextBox 3">
+            <a:extLst>
+              <a:ext uri="{FF2B5EF4-FFF2-40B4-BE49-F238E27FC236}">
+                <a16:creationId xmlns:a16="http://schemas.microsoft.com/office/drawing/2014/main" id="{84FA038E-9517-BF48-9021-AE605B907875}"/>
+              </a:ext>
+            </a:extLst>
+          </p:cNvPr>
+          <p:cNvSpPr txBox="1"/>
+          <p:nvPr/>
+        </p:nvSpPr>
+        <p:spPr>
+          <a:xfrm>
+            <a:off x="6536267" y="6045200"/>
+            <a:ext cx="4673600" cy="646331"/>
+          </a:xfrm>
+          <a:prstGeom prst="rect">
+            <a:avLst/>
+          </a:prstGeom>
+          <a:noFill/>
+        </p:spPr>
+        <p:txBody>
+          <a:bodyPr wrap="square" rtlCol="0">
+            <a:spAutoFit/>
+          </a:bodyPr>
+          <a:lstStyle/>
+          <a:p>
+            <a:r>
+              <a:rPr lang="en-US" dirty="0"/>
+              <a:t>*</a:t>
+            </a:r>
+            <a:r>
+              <a:rPr lang="en-US" dirty="0" err="1"/>
+              <a:t>Etcd</a:t>
+            </a:r>
+            <a:r>
+              <a:rPr lang="en-US" dirty="0"/>
+              <a:t> is deployed as a pod with </a:t>
+            </a:r>
+            <a:r>
+              <a:rPr lang="en-US" dirty="0" err="1"/>
+              <a:t>Kubeadm</a:t>
+            </a:r>
+            <a:r>
+              <a:rPr lang="en-US" dirty="0"/>
+              <a:t>, can live outside of the cluster</a:t>
             </a:r>
           </a:p>
         </p:txBody>
@@ -4547,7 +4598,7 @@
           <a:p>
             <a:fld id="{2B29063C-91A5-4593-ABB1-5AF093B34D9D}" type="datetime1">
               <a:rPr lang="en-US" smtClean="0"/>
-              <a:t>4/10/18</a:t>
+              <a:t>4/13/18</a:t>
             </a:fld>
             <a:endParaRPr lang="en-US"/>
           </a:p>
@@ -7263,7 +7314,7 @@
           <a:p>
             <a:fld id="{2B29063C-91A5-4593-ABB1-5AF093B34D9D}" type="datetime1">
               <a:rPr lang="en-US" smtClean="0"/>
-              <a:t>4/10/18</a:t>
+              <a:t>4/13/18</a:t>
             </a:fld>
             <a:endParaRPr lang="en-US"/>
           </a:p>
@@ -7447,7 +7498,7 @@
           <a:p>
             <a:fld id="{2B29063C-91A5-4593-ABB1-5AF093B34D9D}" type="datetime1">
               <a:rPr lang="en-US" smtClean="0"/>
-              <a:t>4/10/18</a:t>
+              <a:t>4/13/18</a:t>
             </a:fld>
             <a:endParaRPr lang="en-US"/>
           </a:p>
@@ -7661,7 +7712,7 @@
           <a:p>
             <a:fld id="{2B29063C-91A5-4593-ABB1-5AF093B34D9D}" type="datetime1">
               <a:rPr lang="en-US" smtClean="0"/>
-              <a:t>4/10/18</a:t>
+              <a:t>4/13/18</a:t>
             </a:fld>
             <a:endParaRPr lang="en-US"/>
           </a:p>
